--- a/tutorial/EGI-2011/02_api.pptx
+++ b/tutorial/EGI-2011/02_api.pptx
@@ -5,10 +5,10 @@
     <p:sldMasterId id="2147483648" r:id="rId1"/>
   </p:sldMasterIdLst>
   <p:notesMasterIdLst>
-    <p:notesMasterId r:id="rId88"/>
+    <p:notesMasterId r:id="rId89"/>
   </p:notesMasterIdLst>
   <p:handoutMasterIdLst>
-    <p:handoutMasterId r:id="rId89"/>
+    <p:handoutMasterId r:id="rId90"/>
   </p:handoutMasterIdLst>
   <p:sldIdLst>
     <p:sldId id="256" r:id="rId2"/>
@@ -96,7 +96,8 @@
     <p:sldId id="372" r:id="rId84"/>
     <p:sldId id="373" r:id="rId85"/>
     <p:sldId id="374" r:id="rId86"/>
-    <p:sldId id="375" r:id="rId87"/>
+    <p:sldId id="378" r:id="rId87"/>
+    <p:sldId id="375" r:id="rId88"/>
   </p:sldIdLst>
   <p:sldSz cx="9144000" cy="6858000" type="screen4x3"/>
   <p:notesSz cx="6858000" cy="9144000"/>
@@ -1379,7 +1380,7 @@
             <a:fld id="{2415D97C-649C-43F9-ADD9-F4FB9523026C}" type="slidenum">
               <a:rPr lang="en-US" smtClean="0"/>
               <a:pPr/>
-              <a:t>86</a:t>
+              <a:t>87</a:t>
             </a:fld>
             <a:endParaRPr lang="en-US"/>
           </a:p>
@@ -30048,251 +30049,6 @@
       </p:sp>
       <p:sp>
         <p:nvSpPr>
-          <p:cNvPr id="3" name="Content Placeholder 2"/>
-          <p:cNvSpPr>
-            <a:spLocks noGrp="1"/>
-          </p:cNvSpPr>
-          <p:nvPr>
-            <p:ph idx="1"/>
-          </p:nvPr>
-        </p:nvSpPr>
-        <p:spPr/>
-        <p:txBody>
-          <a:bodyPr/>
-          <a:lstStyle/>
-          <a:p>
-            <a:r>
-              <a:rPr lang="en-US" dirty="0" smtClean="0"/>
-              <a:t>Copy a file</a:t>
-            </a:r>
-          </a:p>
-          <a:p>
-            <a:pPr marL="0" indent="0">
-              <a:buNone/>
-            </a:pPr>
-            <a:endParaRPr lang="en-US" dirty="0" smtClean="0"/>
-          </a:p>
-          <a:p>
-            <a:pPr marL="0" indent="0">
-              <a:buNone/>
-            </a:pPr>
-            <a:r>
-              <a:rPr lang="en-US" sz="1700" dirty="0">
-                <a:latin typeface="Courier"/>
-              </a:rPr>
-              <a:t>import saga</a:t>
-            </a:r>
-            <a:br>
-              <a:rPr lang="en-US" sz="1700" dirty="0">
-                <a:latin typeface="Courier"/>
-              </a:rPr>
-            </a:br>
-            <a:r>
-              <a:rPr lang="en-US" sz="1700" dirty="0" err="1">
-                <a:latin typeface="Courier"/>
-              </a:rPr>
-              <a:t>src</a:t>
-            </a:r>
-            <a:r>
-              <a:rPr lang="en-US" sz="1700" dirty="0">
-                <a:latin typeface="Courier"/>
-              </a:rPr>
-              <a:t> = </a:t>
-            </a:r>
-            <a:r>
-              <a:rPr lang="en-US" sz="1700" dirty="0" err="1">
-                <a:latin typeface="Courier"/>
-              </a:rPr>
-              <a:t>saga.url</a:t>
-            </a:r>
-            <a:r>
-              <a:rPr lang="en-US" sz="1700" dirty="0">
-                <a:latin typeface="Courier"/>
-              </a:rPr>
-              <a:t>("file://</a:t>
-            </a:r>
-            <a:r>
-              <a:rPr lang="en-US" sz="1700" dirty="0" err="1">
-                <a:latin typeface="Courier"/>
-              </a:rPr>
-              <a:t>localhost</a:t>
-            </a:r>
-            <a:r>
-              <a:rPr lang="en-US" sz="1700" dirty="0">
-                <a:latin typeface="Courier"/>
-              </a:rPr>
-              <a:t>/</a:t>
-            </a:r>
-            <a:r>
-              <a:rPr lang="en-US" sz="1700" dirty="0" err="1">
-                <a:latin typeface="Courier"/>
-              </a:rPr>
-              <a:t>etc</a:t>
-            </a:r>
-            <a:r>
-              <a:rPr lang="en-US" sz="1700" dirty="0">
-                <a:latin typeface="Courier"/>
-              </a:rPr>
-              <a:t>/</a:t>
-            </a:r>
-            <a:r>
-              <a:rPr lang="en-US" sz="1700" dirty="0" err="1">
-                <a:latin typeface="Courier"/>
-              </a:rPr>
-              <a:t>passwd</a:t>
-            </a:r>
-            <a:r>
-              <a:rPr lang="en-US" sz="1700" dirty="0">
-                <a:latin typeface="Courier"/>
-              </a:rPr>
-              <a:t>")</a:t>
-            </a:r>
-            <a:br>
-              <a:rPr lang="en-US" sz="1700" dirty="0">
-                <a:latin typeface="Courier"/>
-              </a:rPr>
-            </a:br>
-            <a:r>
-              <a:rPr lang="en-US" sz="1700" dirty="0" err="1">
-                <a:latin typeface="Courier"/>
-              </a:rPr>
-              <a:t>dst</a:t>
-            </a:r>
-            <a:r>
-              <a:rPr lang="en-US" sz="1700" dirty="0">
-                <a:latin typeface="Courier"/>
-              </a:rPr>
-              <a:t> = </a:t>
-            </a:r>
-            <a:r>
-              <a:rPr lang="en-US" sz="1700" dirty="0" err="1">
-                <a:latin typeface="Courier"/>
-              </a:rPr>
-              <a:t>saga.url</a:t>
-            </a:r>
-            <a:r>
-              <a:rPr lang="en-US" sz="1700" dirty="0">
-                <a:latin typeface="Courier"/>
-              </a:rPr>
-              <a:t>("file://</a:t>
-            </a:r>
-            <a:r>
-              <a:rPr lang="en-US" sz="1700" dirty="0" err="1">
-                <a:latin typeface="Courier"/>
-              </a:rPr>
-              <a:t>localhost</a:t>
-            </a:r>
-            <a:r>
-              <a:rPr lang="en-US" sz="1700" dirty="0">
-                <a:latin typeface="Courier"/>
-              </a:rPr>
-              <a:t>/</a:t>
-            </a:r>
-            <a:r>
-              <a:rPr lang="en-US" sz="1700" dirty="0" err="1">
-                <a:latin typeface="Courier"/>
-              </a:rPr>
-              <a:t>tmp</a:t>
-            </a:r>
-            <a:r>
-              <a:rPr lang="en-US" sz="1700" dirty="0">
-                <a:latin typeface="Courier"/>
-              </a:rPr>
-              <a:t>/</a:t>
-            </a:r>
-            <a:r>
-              <a:rPr lang="en-US" sz="1700" dirty="0" err="1">
-                <a:latin typeface="Courier"/>
-              </a:rPr>
-              <a:t>passwd</a:t>
-            </a:r>
-            <a:r>
-              <a:rPr lang="en-US" sz="1700" dirty="0">
-                <a:latin typeface="Courier"/>
-              </a:rPr>
-              <a:t>-copy")</a:t>
-            </a:r>
-            <a:br>
-              <a:rPr lang="en-US" sz="1700" dirty="0">
-                <a:latin typeface="Courier"/>
-              </a:rPr>
-            </a:br>
-            <a:r>
-              <a:rPr lang="en-US" sz="1700" dirty="0">
-                <a:latin typeface="Courier"/>
-              </a:rPr>
-              <a:t>f = </a:t>
-            </a:r>
-            <a:r>
-              <a:rPr lang="en-US" sz="1700" dirty="0" err="1">
-                <a:latin typeface="Courier"/>
-              </a:rPr>
-              <a:t>saga.filesystem.file</a:t>
-            </a:r>
-            <a:r>
-              <a:rPr lang="en-US" sz="1700" dirty="0">
-                <a:latin typeface="Courier"/>
-              </a:rPr>
-              <a:t>(</a:t>
-            </a:r>
-            <a:r>
-              <a:rPr lang="en-US" sz="1700" dirty="0" err="1">
-                <a:latin typeface="Courier"/>
-              </a:rPr>
-              <a:t>src</a:t>
-            </a:r>
-            <a:r>
-              <a:rPr lang="en-US" sz="1700" dirty="0">
-                <a:latin typeface="Courier"/>
-              </a:rPr>
-              <a:t>, </a:t>
-            </a:r>
-            <a:r>
-              <a:rPr lang="en-US" sz="1700" dirty="0" err="1">
-                <a:latin typeface="Courier"/>
-              </a:rPr>
-              <a:t>saga.filesystem.Read</a:t>
-            </a:r>
-            <a:r>
-              <a:rPr lang="en-US" sz="1700" dirty="0">
-                <a:latin typeface="Courier"/>
-              </a:rPr>
-              <a:t>)</a:t>
-            </a:r>
-            <a:br>
-              <a:rPr lang="en-US" sz="1700" dirty="0">
-                <a:latin typeface="Courier"/>
-              </a:rPr>
-            </a:br>
-            <a:r>
-              <a:rPr lang="en-US" sz="1700" dirty="0" err="1">
-                <a:latin typeface="Courier"/>
-              </a:rPr>
-              <a:t>f.copy</a:t>
-            </a:r>
-            <a:r>
-              <a:rPr lang="en-US" sz="1700" dirty="0">
-                <a:latin typeface="Courier"/>
-              </a:rPr>
-              <a:t>(</a:t>
-            </a:r>
-            <a:r>
-              <a:rPr lang="en-US" sz="1700" dirty="0" err="1">
-                <a:latin typeface="Courier"/>
-              </a:rPr>
-              <a:t>dst</a:t>
-            </a:r>
-            <a:r>
-              <a:rPr lang="en-US" sz="1700" dirty="0">
-                <a:latin typeface="Courier"/>
-              </a:rPr>
-              <a:t>)</a:t>
-            </a:r>
-          </a:p>
-        </p:txBody>
-      </p:sp>
-      <p:sp>
-        <p:nvSpPr>
           <p:cNvPr id="4" name="Date Placeholder 3"/>
           <p:cNvSpPr>
             <a:spLocks noGrp="1"/>
@@ -30358,6 +30114,246 @@
               <a:t>TeraGrid SAGA Tutorial</a:t>
             </a:r>
             <a:endParaRPr lang="en-US" dirty="0"/>
+          </a:p>
+        </p:txBody>
+      </p:sp>
+      <p:sp>
+        <p:nvSpPr>
+          <p:cNvPr id="7" name="TextBox 6"/>
+          <p:cNvSpPr txBox="1"/>
+          <p:nvPr/>
+        </p:nvSpPr>
+        <p:spPr>
+          <a:xfrm>
+            <a:off x="841756" y="2993873"/>
+            <a:ext cx="6063541" cy="2862322"/>
+          </a:xfrm>
+          <a:prstGeom prst="rect">
+            <a:avLst/>
+          </a:prstGeom>
+          <a:solidFill>
+            <a:srgbClr val="D7D9CD"/>
+          </a:solidFill>
+          <a:ln>
+            <a:solidFill>
+              <a:srgbClr val="8BADBD"/>
+            </a:solidFill>
+          </a:ln>
+        </p:spPr>
+        <p:style>
+          <a:lnRef idx="2">
+            <a:schemeClr val="accent4"/>
+          </a:lnRef>
+          <a:fillRef idx="1">
+            <a:schemeClr val="lt1"/>
+          </a:fillRef>
+          <a:effectRef idx="0">
+            <a:schemeClr val="accent4"/>
+          </a:effectRef>
+          <a:fontRef idx="minor">
+            <a:schemeClr val="dk1"/>
+          </a:fontRef>
+        </p:style>
+        <p:txBody>
+          <a:bodyPr wrap="square" rtlCol="0">
+            <a:spAutoFit/>
+          </a:bodyPr>
+          <a:lstStyle/>
+          <a:p>
+            <a:endParaRPr lang="en-US" dirty="0"/>
+          </a:p>
+          <a:p>
+            <a:r>
+              <a:rPr lang="en-US" dirty="0">
+                <a:latin typeface="Courier"/>
+              </a:rPr>
+              <a:t>import </a:t>
+            </a:r>
+            <a:r>
+              <a:rPr lang="en-US" dirty="0" smtClean="0">
+                <a:latin typeface="Courier"/>
+              </a:rPr>
+              <a:t>saga</a:t>
+            </a:r>
+          </a:p>
+          <a:p>
+            <a:r>
+              <a:rPr lang="en-US" dirty="0">
+                <a:latin typeface="Courier"/>
+              </a:rPr>
+              <a:t/>
+            </a:r>
+            <a:br>
+              <a:rPr lang="en-US" dirty="0">
+                <a:latin typeface="Courier"/>
+              </a:rPr>
+            </a:br>
+            <a:r>
+              <a:rPr lang="en-US" dirty="0" err="1">
+                <a:latin typeface="Courier"/>
+              </a:rPr>
+              <a:t>src</a:t>
+            </a:r>
+            <a:r>
+              <a:rPr lang="en-US" dirty="0">
+                <a:latin typeface="Courier"/>
+              </a:rPr>
+              <a:t> 	= saga.url ("file://localhost/etc/passwd")</a:t>
+            </a:r>
+            <a:br>
+              <a:rPr lang="en-US" dirty="0">
+                <a:latin typeface="Courier"/>
+              </a:rPr>
+            </a:br>
+            <a:r>
+              <a:rPr lang="en-US" dirty="0" err="1">
+                <a:latin typeface="Courier"/>
+              </a:rPr>
+              <a:t>dst</a:t>
+            </a:r>
+            <a:r>
+              <a:rPr lang="en-US" dirty="0">
+                <a:latin typeface="Courier"/>
+              </a:rPr>
+              <a:t> 	= saga.url ("file://localhost/tmp/passwd-copy</a:t>
+            </a:r>
+            <a:r>
+              <a:rPr lang="en-US" dirty="0" smtClean="0">
+                <a:latin typeface="Courier"/>
+              </a:rPr>
+              <a:t>")</a:t>
+            </a:r>
+          </a:p>
+          <a:p>
+            <a:r>
+              <a:rPr lang="en-US" dirty="0">
+                <a:latin typeface="Courier"/>
+              </a:rPr>
+              <a:t/>
+            </a:r>
+            <a:br>
+              <a:rPr lang="en-US" dirty="0">
+                <a:latin typeface="Courier"/>
+              </a:rPr>
+            </a:br>
+            <a:r>
+              <a:rPr lang="en-US" dirty="0">
+                <a:latin typeface="Courier"/>
+              </a:rPr>
+              <a:t>f 	= </a:t>
+            </a:r>
+            <a:r>
+              <a:rPr lang="en-US" dirty="0" err="1">
+                <a:latin typeface="Courier"/>
+              </a:rPr>
+              <a:t>saga.filesystem.file</a:t>
+            </a:r>
+            <a:r>
+              <a:rPr lang="en-US" dirty="0">
+                <a:latin typeface="Courier"/>
+              </a:rPr>
+              <a:t> (</a:t>
+            </a:r>
+            <a:r>
+              <a:rPr lang="en-US" dirty="0" err="1">
+                <a:latin typeface="Courier"/>
+              </a:rPr>
+              <a:t>src</a:t>
+            </a:r>
+            <a:r>
+              <a:rPr lang="en-US" dirty="0">
+                <a:latin typeface="Courier"/>
+              </a:rPr>
+              <a:t>, </a:t>
+            </a:r>
+            <a:r>
+              <a:rPr lang="en-US" dirty="0" err="1">
+                <a:latin typeface="Courier"/>
+              </a:rPr>
+              <a:t>saga.filesystem.Read</a:t>
+            </a:r>
+            <a:r>
+              <a:rPr lang="en-US" dirty="0">
+                <a:latin typeface="Courier"/>
+              </a:rPr>
+              <a:t>)</a:t>
+            </a:r>
+            <a:br>
+              <a:rPr lang="en-US" dirty="0">
+                <a:latin typeface="Courier"/>
+              </a:rPr>
+            </a:br>
+            <a:endParaRPr lang="en-US" dirty="0" smtClean="0">
+              <a:latin typeface="Courier"/>
+            </a:endParaRPr>
+          </a:p>
+          <a:p>
+            <a:r>
+              <a:rPr lang="en-US" dirty="0" err="1" smtClean="0">
+                <a:latin typeface="Courier"/>
+              </a:rPr>
+              <a:t>f.copy</a:t>
+            </a:r>
+            <a:r>
+              <a:rPr lang="en-US" dirty="0" smtClean="0">
+                <a:latin typeface="Courier"/>
+              </a:rPr>
+              <a:t> </a:t>
+            </a:r>
+            <a:r>
+              <a:rPr lang="en-US" dirty="0">
+                <a:latin typeface="Courier"/>
+              </a:rPr>
+              <a:t>(</a:t>
+            </a:r>
+            <a:r>
+              <a:rPr lang="en-US" dirty="0" err="1">
+                <a:latin typeface="Courier"/>
+              </a:rPr>
+              <a:t>dst</a:t>
+            </a:r>
+            <a:r>
+              <a:rPr lang="en-US" dirty="0">
+                <a:latin typeface="Courier"/>
+              </a:rPr>
+              <a:t>)</a:t>
+            </a:r>
+          </a:p>
+          <a:p>
+            <a:endParaRPr lang="en-US" dirty="0" smtClean="0">
+              <a:latin typeface="Consolas" pitchFamily="49" charset="0"/>
+              <a:cs typeface="Consolas" pitchFamily="49" charset="0"/>
+            </a:endParaRPr>
+          </a:p>
+        </p:txBody>
+      </p:sp>
+      <p:sp>
+        <p:nvSpPr>
+          <p:cNvPr id="9" name="Content Placeholder 2"/>
+          <p:cNvSpPr>
+            <a:spLocks noGrp="1"/>
+          </p:cNvSpPr>
+          <p:nvPr>
+            <p:ph idx="1"/>
+          </p:nvPr>
+        </p:nvSpPr>
+        <p:spPr>
+          <a:xfrm>
+            <a:off x="757947" y="2068619"/>
+            <a:ext cx="5822147" cy="537948"/>
+          </a:xfrm>
+        </p:spPr>
+        <p:txBody>
+          <a:bodyPr>
+            <a:normAutofit/>
+          </a:bodyPr>
+          <a:lstStyle/>
+          <a:p>
+            <a:r>
+              <a:rPr lang="en-US" dirty="0" smtClean="0"/>
+              <a:t>copy a file</a:t>
+            </a:r>
+            <a:endParaRPr lang="en-US" dirty="0" smtClean="0"/>
           </a:p>
         </p:txBody>
       </p:sp>
@@ -30441,7 +30437,12 @@
             <p:ph idx="1"/>
           </p:nvPr>
         </p:nvSpPr>
-        <p:spPr/>
+        <p:spPr>
+          <a:xfrm>
+            <a:off x="757947" y="2068619"/>
+            <a:ext cx="5822147" cy="537948"/>
+          </a:xfrm>
+        </p:spPr>
         <p:txBody>
           <a:bodyPr>
             <a:normAutofit/>
@@ -30449,237 +30450,22 @@
           <a:lstStyle/>
           <a:p>
             <a:r>
-              <a:rPr lang="en-US" dirty="0" smtClean="0"/>
-              <a:t>Get a directory file listing</a:t>
-            </a:r>
-          </a:p>
-          <a:p>
-            <a:pPr marL="0" indent="0">
-              <a:buNone/>
-              <a:tabLst>
-                <a:tab pos="2254666" algn="l"/>
-              </a:tabLst>
-            </a:pPr>
-            <a:r>
-              <a:rPr lang="en-US" sz="1700" dirty="0">
-                <a:latin typeface="Courier"/>
-              </a:rPr>
-              <a:t>import saga</a:t>
-            </a:r>
-            <a:br>
-              <a:rPr lang="en-US" sz="1700" dirty="0">
-                <a:latin typeface="Courier"/>
-              </a:rPr>
-            </a:br>
-            <a:r>
-              <a:rPr lang="en-US" sz="1700" dirty="0" err="1">
-                <a:latin typeface="Courier"/>
-              </a:rPr>
-              <a:t>src</a:t>
-            </a:r>
-            <a:r>
-              <a:rPr lang="en-US" sz="1700" dirty="0">
-                <a:latin typeface="Courier"/>
-              </a:rPr>
-              <a:t> = </a:t>
-            </a:r>
-            <a:r>
-              <a:rPr lang="en-US" sz="1700" dirty="0" err="1">
-                <a:latin typeface="Courier"/>
-              </a:rPr>
-              <a:t>saga.url</a:t>
-            </a:r>
-            <a:r>
-              <a:rPr lang="en-US" sz="1700" dirty="0">
-                <a:latin typeface="Courier"/>
-              </a:rPr>
-              <a:t>("file://</a:t>
-            </a:r>
-            <a:r>
-              <a:rPr lang="en-US" sz="1700" dirty="0" err="1">
-                <a:latin typeface="Courier"/>
-              </a:rPr>
-              <a:t>localhost</a:t>
-            </a:r>
-            <a:r>
-              <a:rPr lang="en-US" sz="1700" dirty="0">
-                <a:latin typeface="Courier"/>
-              </a:rPr>
-              <a:t>/opt/")</a:t>
-            </a:r>
-            <a:br>
-              <a:rPr lang="en-US" sz="1700" dirty="0">
-                <a:latin typeface="Courier"/>
-              </a:rPr>
-            </a:br>
-            <a:r>
-              <a:rPr lang="en-US" sz="1700" dirty="0">
-                <a:latin typeface="Courier"/>
-              </a:rPr>
-              <a:t>d = </a:t>
-            </a:r>
-            <a:r>
-              <a:rPr lang="en-US" sz="1700" dirty="0" err="1">
-                <a:latin typeface="Courier"/>
-              </a:rPr>
-              <a:t>saga.filesystem.directory</a:t>
-            </a:r>
-            <a:r>
-              <a:rPr lang="en-US" sz="1700" dirty="0">
-                <a:latin typeface="Courier"/>
-              </a:rPr>
-              <a:t>(</a:t>
-            </a:r>
-            <a:r>
-              <a:rPr lang="en-US" sz="1700" dirty="0" err="1">
-                <a:latin typeface="Courier"/>
-              </a:rPr>
-              <a:t>src</a:t>
-            </a:r>
-            <a:r>
-              <a:rPr lang="en-US" sz="1700" dirty="0">
-                <a:latin typeface="Courier"/>
-              </a:rPr>
-              <a:t>)</a:t>
-            </a:r>
-            <a:br>
-              <a:rPr lang="en-US" sz="1700" dirty="0">
-                <a:latin typeface="Courier"/>
-              </a:rPr>
-            </a:br>
-            <a:r>
-              <a:rPr lang="en-US" sz="1700" dirty="0">
-                <a:latin typeface="Courier"/>
-              </a:rPr>
-              <a:t>names = </a:t>
-            </a:r>
-            <a:r>
-              <a:rPr lang="en-US" sz="1700" dirty="0" err="1">
-                <a:latin typeface="Courier"/>
-              </a:rPr>
-              <a:t>d.list</a:t>
-            </a:r>
-            <a:r>
-              <a:rPr lang="en-US" sz="1700" dirty="0">
-                <a:latin typeface="Courier"/>
-              </a:rPr>
-              <a:t>('*')</a:t>
-            </a:r>
-            <a:br>
-              <a:rPr lang="en-US" sz="1700" dirty="0">
-                <a:latin typeface="Courier"/>
-              </a:rPr>
-            </a:br>
-            <a:r>
-              <a:rPr lang="en-US" sz="1700" dirty="0">
-                <a:latin typeface="Courier"/>
-              </a:rPr>
-              <a:t>for name in names:</a:t>
-            </a:r>
-            <a:br>
-              <a:rPr lang="en-US" sz="1700" dirty="0">
-                <a:latin typeface="Courier"/>
-              </a:rPr>
-            </a:br>
-            <a:r>
-              <a:rPr lang="en-US" sz="1700" dirty="0">
-                <a:latin typeface="Courier"/>
-              </a:rPr>
-              <a:t>    ns = </a:t>
-            </a:r>
-            <a:r>
-              <a:rPr lang="en-US" sz="1700" dirty="0" err="1">
-                <a:latin typeface="Courier"/>
-              </a:rPr>
-              <a:t>saga.name_space.entry</a:t>
-            </a:r>
-            <a:r>
-              <a:rPr lang="en-US" sz="1700" dirty="0">
-                <a:latin typeface="Courier"/>
-              </a:rPr>
-              <a:t>(name)</a:t>
-            </a:r>
-            <a:br>
-              <a:rPr lang="en-US" sz="1700" dirty="0">
-                <a:latin typeface="Courier"/>
-              </a:rPr>
-            </a:br>
-            <a:r>
-              <a:rPr lang="en-US" sz="1700" dirty="0">
-                <a:latin typeface="Courier"/>
-              </a:rPr>
-              <a:t>    if </a:t>
-            </a:r>
-            <a:r>
-              <a:rPr lang="en-US" sz="1700" dirty="0" err="1">
-                <a:latin typeface="Courier"/>
-              </a:rPr>
-              <a:t>ns.is_dir</a:t>
-            </a:r>
-            <a:r>
-              <a:rPr lang="en-US" sz="1700" dirty="0">
-                <a:latin typeface="Courier"/>
-              </a:rPr>
-              <a:t>():    print 'd ',  name</a:t>
-            </a:r>
-            <a:br>
-              <a:rPr lang="en-US" sz="1700" dirty="0">
-                <a:latin typeface="Courier"/>
-              </a:rPr>
-            </a:br>
-            <a:r>
-              <a:rPr lang="en-US" sz="1700" dirty="0">
-                <a:latin typeface="Courier"/>
-              </a:rPr>
-              <a:t>    </a:t>
-            </a:r>
-            <a:r>
-              <a:rPr lang="en-US" sz="1700" dirty="0" err="1">
-                <a:latin typeface="Courier"/>
-              </a:rPr>
-              <a:t>elif</a:t>
-            </a:r>
-            <a:r>
-              <a:rPr lang="en-US" sz="1700" dirty="0">
-                <a:latin typeface="Courier"/>
-              </a:rPr>
-              <a:t> </a:t>
-            </a:r>
-            <a:r>
-              <a:rPr lang="en-US" sz="1700" dirty="0" err="1">
-                <a:latin typeface="Courier"/>
-              </a:rPr>
-              <a:t>ns.is_link</a:t>
-            </a:r>
-            <a:r>
-              <a:rPr lang="en-US" sz="1700" dirty="0">
-                <a:latin typeface="Courier"/>
-              </a:rPr>
-              <a:t>(): print '-&gt;', </a:t>
-            </a:r>
-            <a:r>
-              <a:rPr lang="en-US" sz="1700" dirty="0" err="1">
-                <a:latin typeface="Courier"/>
-              </a:rPr>
-              <a:t>ns.read_link</a:t>
-            </a:r>
-            <a:r>
-              <a:rPr lang="en-US" sz="1700" dirty="0">
-                <a:latin typeface="Courier"/>
-              </a:rPr>
-              <a:t>()</a:t>
-            </a:r>
-            <a:br>
-              <a:rPr lang="en-US" sz="1700" dirty="0">
-                <a:latin typeface="Courier"/>
-              </a:rPr>
-            </a:br>
-            <a:r>
-              <a:rPr lang="en-US" sz="1700" dirty="0">
-                <a:latin typeface="Courier"/>
-              </a:rPr>
-              <a:t>    else:              print '  ', name</a:t>
-            </a:r>
+              <a:rPr lang="en-US" dirty="0"/>
+              <a:t>g</a:t>
+            </a:r>
+            <a:r>
+              <a:rPr lang="en-US" dirty="0" smtClean="0"/>
+              <a:t>et </a:t>
+            </a:r>
+            <a:r>
+              <a:rPr lang="en-US" dirty="0" smtClean="0"/>
+              <a:t>a directory file </a:t>
+            </a:r>
+            <a:r>
+              <a:rPr lang="en-US" dirty="0" smtClean="0"/>
+              <a:t>listing</a:t>
+            </a:r>
+            <a:endParaRPr lang="en-US" dirty="0" smtClean="0"/>
           </a:p>
         </p:txBody>
       </p:sp>
@@ -30754,6 +30540,390 @@
               <a:t> SAGA Tutorial</a:t>
             </a:r>
             <a:endParaRPr lang="en-US" dirty="0"/>
+          </a:p>
+        </p:txBody>
+      </p:sp>
+      <p:sp>
+        <p:nvSpPr>
+          <p:cNvPr id="7" name="TextBox 6"/>
+          <p:cNvSpPr txBox="1"/>
+          <p:nvPr/>
+        </p:nvSpPr>
+        <p:spPr>
+          <a:xfrm>
+            <a:off x="757947" y="2606567"/>
+            <a:ext cx="7629581" cy="3970318"/>
+          </a:xfrm>
+          <a:prstGeom prst="rect">
+            <a:avLst/>
+          </a:prstGeom>
+          <a:solidFill>
+            <a:srgbClr val="D7D9CD"/>
+          </a:solidFill>
+          <a:ln>
+            <a:solidFill>
+              <a:srgbClr val="8BADBD"/>
+            </a:solidFill>
+          </a:ln>
+        </p:spPr>
+        <p:style>
+          <a:lnRef idx="2">
+            <a:schemeClr val="accent4"/>
+          </a:lnRef>
+          <a:fillRef idx="1">
+            <a:schemeClr val="lt1"/>
+          </a:fillRef>
+          <a:effectRef idx="0">
+            <a:schemeClr val="accent4"/>
+          </a:effectRef>
+          <a:fontRef idx="minor">
+            <a:schemeClr val="dk1"/>
+          </a:fontRef>
+        </p:style>
+        <p:txBody>
+          <a:bodyPr wrap="square" rtlCol="0">
+            <a:spAutoFit/>
+          </a:bodyPr>
+          <a:lstStyle/>
+          <a:p>
+            <a:pPr>
+              <a:tabLst>
+                <a:tab pos="966788" algn="l"/>
+                <a:tab pos="1944688" algn="l"/>
+              </a:tabLst>
+            </a:pPr>
+            <a:endParaRPr lang="en-US" dirty="0" smtClean="0">
+              <a:latin typeface="Courier"/>
+            </a:endParaRPr>
+          </a:p>
+          <a:p>
+            <a:pPr>
+              <a:tabLst>
+                <a:tab pos="966788" algn="l"/>
+                <a:tab pos="1944688" algn="l"/>
+              </a:tabLst>
+            </a:pPr>
+            <a:r>
+              <a:rPr lang="en-US" dirty="0" smtClean="0">
+                <a:latin typeface="Courier"/>
+              </a:rPr>
+              <a:t>import </a:t>
+            </a:r>
+            <a:r>
+              <a:rPr lang="en-US" dirty="0">
+                <a:latin typeface="Courier"/>
+              </a:rPr>
+              <a:t>saga</a:t>
+            </a:r>
+            <a:br>
+              <a:rPr lang="en-US" dirty="0">
+                <a:latin typeface="Courier"/>
+              </a:rPr>
+            </a:br>
+            <a:endParaRPr lang="en-US" dirty="0" smtClean="0">
+              <a:latin typeface="Courier"/>
+            </a:endParaRPr>
+          </a:p>
+          <a:p>
+            <a:pPr>
+              <a:tabLst>
+                <a:tab pos="966788" algn="l"/>
+                <a:tab pos="1944688" algn="l"/>
+              </a:tabLst>
+            </a:pPr>
+            <a:r>
+              <a:rPr lang="en-US" dirty="0" err="1" smtClean="0">
+                <a:latin typeface="Courier"/>
+              </a:rPr>
+              <a:t>src</a:t>
+            </a:r>
+            <a:r>
+              <a:rPr lang="en-US" dirty="0" smtClean="0">
+                <a:latin typeface="Courier"/>
+              </a:rPr>
+              <a:t> 	= saga.url ("</a:t>
+            </a:r>
+            <a:r>
+              <a:rPr lang="en-US" dirty="0">
+                <a:latin typeface="Courier"/>
+              </a:rPr>
+              <a:t>file://localhost/opt/")</a:t>
+            </a:r>
+            <a:br>
+              <a:rPr lang="en-US" dirty="0">
+                <a:latin typeface="Courier"/>
+              </a:rPr>
+            </a:br>
+            <a:r>
+              <a:rPr lang="en-US" dirty="0">
+                <a:latin typeface="Courier"/>
+              </a:rPr>
+              <a:t>d </a:t>
+            </a:r>
+            <a:r>
+              <a:rPr lang="en-US" dirty="0" smtClean="0">
+                <a:latin typeface="Courier"/>
+              </a:rPr>
+              <a:t>	= </a:t>
+            </a:r>
+            <a:r>
+              <a:rPr lang="en-US" dirty="0" err="1" smtClean="0">
+                <a:latin typeface="Courier"/>
+              </a:rPr>
+              <a:t>saga.filesystem.directory</a:t>
+            </a:r>
+            <a:r>
+              <a:rPr lang="en-US" dirty="0" smtClean="0">
+                <a:latin typeface="Courier"/>
+              </a:rPr>
+              <a:t> (</a:t>
+            </a:r>
+            <a:r>
+              <a:rPr lang="en-US" dirty="0" err="1">
+                <a:latin typeface="Courier"/>
+              </a:rPr>
+              <a:t>src</a:t>
+            </a:r>
+            <a:r>
+              <a:rPr lang="en-US" dirty="0">
+                <a:latin typeface="Courier"/>
+              </a:rPr>
+              <a:t>)</a:t>
+            </a:r>
+            <a:br>
+              <a:rPr lang="en-US" dirty="0">
+                <a:latin typeface="Courier"/>
+              </a:rPr>
+            </a:br>
+            <a:r>
+              <a:rPr lang="en-US" dirty="0">
+                <a:latin typeface="Courier"/>
+              </a:rPr>
+              <a:t>names </a:t>
+            </a:r>
+            <a:r>
+              <a:rPr lang="en-US" dirty="0" smtClean="0">
+                <a:latin typeface="Courier"/>
+              </a:rPr>
+              <a:t>	= </a:t>
+            </a:r>
+            <a:r>
+              <a:rPr lang="en-US" dirty="0" err="1" smtClean="0">
+                <a:latin typeface="Courier"/>
+              </a:rPr>
+              <a:t>d.list</a:t>
+            </a:r>
+            <a:r>
+              <a:rPr lang="en-US" dirty="0" smtClean="0">
+                <a:latin typeface="Courier"/>
+              </a:rPr>
+              <a:t> ('*')</a:t>
+            </a:r>
+          </a:p>
+          <a:p>
+            <a:pPr>
+              <a:tabLst>
+                <a:tab pos="966788" algn="l"/>
+                <a:tab pos="1944688" algn="l"/>
+              </a:tabLst>
+            </a:pPr>
+            <a:r>
+              <a:rPr lang="en-US" dirty="0">
+                <a:latin typeface="Courier"/>
+              </a:rPr>
+              <a:t/>
+            </a:r>
+            <a:br>
+              <a:rPr lang="en-US" dirty="0">
+                <a:latin typeface="Courier"/>
+              </a:rPr>
+            </a:br>
+            <a:r>
+              <a:rPr lang="en-US" dirty="0">
+                <a:latin typeface="Courier"/>
+              </a:rPr>
+              <a:t>for name in names:</a:t>
+            </a:r>
+            <a:br>
+              <a:rPr lang="en-US" dirty="0">
+                <a:latin typeface="Courier"/>
+              </a:rPr>
+            </a:br>
+            <a:r>
+              <a:rPr lang="en-US" dirty="0">
+                <a:latin typeface="Courier"/>
+              </a:rPr>
+              <a:t>    ns = </a:t>
+            </a:r>
+            <a:r>
+              <a:rPr lang="en-US" dirty="0" err="1" smtClean="0">
+                <a:latin typeface="Courier"/>
+              </a:rPr>
+              <a:t>saga.name_space.entry</a:t>
+            </a:r>
+            <a:r>
+              <a:rPr lang="en-US" dirty="0" smtClean="0">
+                <a:latin typeface="Courier"/>
+              </a:rPr>
+              <a:t> (</a:t>
+            </a:r>
+            <a:r>
+              <a:rPr lang="en-US" dirty="0">
+                <a:latin typeface="Courier"/>
+              </a:rPr>
+              <a:t>name)</a:t>
+            </a:r>
+            <a:br>
+              <a:rPr lang="en-US" dirty="0">
+                <a:latin typeface="Courier"/>
+              </a:rPr>
+            </a:br>
+            <a:endParaRPr lang="en-US" dirty="0" smtClean="0">
+              <a:latin typeface="Courier"/>
+            </a:endParaRPr>
+          </a:p>
+          <a:p>
+            <a:pPr>
+              <a:tabLst>
+                <a:tab pos="966788" algn="l"/>
+                <a:tab pos="1944688" algn="l"/>
+              </a:tabLst>
+            </a:pPr>
+            <a:r>
+              <a:rPr lang="en-US" dirty="0" smtClean="0">
+                <a:latin typeface="Courier"/>
+              </a:rPr>
+              <a:t>    </a:t>
+            </a:r>
+            <a:r>
+              <a:rPr lang="en-US" dirty="0">
+                <a:latin typeface="Courier"/>
+              </a:rPr>
+              <a:t>if  </a:t>
+            </a:r>
+            <a:r>
+              <a:rPr lang="en-US" dirty="0" smtClean="0">
+                <a:latin typeface="Courier"/>
+              </a:rPr>
+              <a:t>  </a:t>
+            </a:r>
+            <a:r>
+              <a:rPr lang="en-US" dirty="0" err="1" smtClean="0">
+                <a:latin typeface="Courier"/>
+              </a:rPr>
+              <a:t>ns.is_dir</a:t>
+            </a:r>
+            <a:r>
+              <a:rPr lang="en-US" dirty="0" smtClean="0">
+                <a:latin typeface="Courier"/>
+              </a:rPr>
+              <a:t> ():   	print </a:t>
+            </a:r>
+            <a:r>
+              <a:rPr lang="en-US" dirty="0">
+                <a:latin typeface="Courier"/>
+              </a:rPr>
+              <a:t>'d ',  name</a:t>
+            </a:r>
+            <a:br>
+              <a:rPr lang="en-US" dirty="0">
+                <a:latin typeface="Courier"/>
+              </a:rPr>
+            </a:br>
+            <a:r>
+              <a:rPr lang="en-US" dirty="0">
+                <a:latin typeface="Courier"/>
+              </a:rPr>
+              <a:t>    </a:t>
+            </a:r>
+            <a:r>
+              <a:rPr lang="en-US" dirty="0" err="1">
+                <a:latin typeface="Courier"/>
+              </a:rPr>
+              <a:t>elif</a:t>
+            </a:r>
+            <a:r>
+              <a:rPr lang="en-US" dirty="0">
+                <a:latin typeface="Courier"/>
+              </a:rPr>
+              <a:t> </a:t>
+            </a:r>
+            <a:r>
+              <a:rPr lang="en-US" dirty="0" err="1" smtClean="0">
+                <a:latin typeface="Courier"/>
+              </a:rPr>
+              <a:t>ns.is_link</a:t>
+            </a:r>
+            <a:r>
+              <a:rPr lang="en-US" dirty="0" smtClean="0">
+                <a:latin typeface="Courier"/>
+              </a:rPr>
+              <a:t> (): 	print </a:t>
+            </a:r>
+            <a:r>
+              <a:rPr lang="en-US" dirty="0">
+                <a:latin typeface="Courier"/>
+              </a:rPr>
+              <a:t>'-&gt;', </a:t>
+            </a:r>
+            <a:r>
+              <a:rPr lang="en-US" dirty="0" err="1" smtClean="0">
+                <a:latin typeface="Courier"/>
+              </a:rPr>
+              <a:t>ns.read_link</a:t>
+            </a:r>
+            <a:r>
+              <a:rPr lang="en-US" dirty="0" smtClean="0">
+                <a:latin typeface="Courier"/>
+              </a:rPr>
+              <a:t> ()</a:t>
+            </a:r>
+            <a:r>
+              <a:rPr lang="en-US" dirty="0">
+                <a:latin typeface="Courier"/>
+              </a:rPr>
+              <a:t/>
+            </a:r>
+            <a:br>
+              <a:rPr lang="en-US" dirty="0">
+                <a:latin typeface="Courier"/>
+              </a:rPr>
+            </a:br>
+            <a:r>
+              <a:rPr lang="en-US" dirty="0">
+                <a:latin typeface="Courier"/>
+              </a:rPr>
+              <a:t>    else:              </a:t>
+            </a:r>
+            <a:r>
+              <a:rPr lang="en-US" dirty="0" smtClean="0">
+                <a:latin typeface="Courier"/>
+              </a:rPr>
+              <a:t>	print </a:t>
+            </a:r>
+            <a:r>
+              <a:rPr lang="en-US" dirty="0">
+                <a:latin typeface="Courier"/>
+              </a:rPr>
+              <a:t>'  ', </a:t>
+            </a:r>
+            <a:r>
+              <a:rPr lang="en-US" dirty="0" smtClean="0">
+                <a:latin typeface="Courier"/>
+              </a:rPr>
+              <a:t>name</a:t>
+            </a:r>
+          </a:p>
+          <a:p>
+            <a:pPr>
+              <a:tabLst>
+                <a:tab pos="966788" algn="l"/>
+                <a:tab pos="1944688" algn="l"/>
+              </a:tabLst>
+            </a:pPr>
+            <a:endParaRPr lang="en-US" dirty="0">
+              <a:latin typeface="Courier"/>
+            </a:endParaRPr>
           </a:p>
         </p:txBody>
       </p:sp>
@@ -30841,253 +31011,22 @@
           <a:lstStyle/>
           <a:p>
             <a:r>
-              <a:rPr lang="en-US" dirty="0" smtClean="0"/>
-              <a:t>Submit a job</a:t>
-            </a:r>
-          </a:p>
-          <a:p>
-            <a:pPr marL="0" indent="0">
-              <a:buNone/>
-            </a:pPr>
-            <a:r>
-              <a:rPr lang="en-US" sz="1700" dirty="0">
-                <a:latin typeface="Courier"/>
-              </a:rPr>
-              <a:t>import saga</a:t>
-            </a:r>
-          </a:p>
-          <a:p>
-            <a:pPr marL="0" indent="0">
-              <a:buNone/>
-            </a:pPr>
-            <a:r>
-              <a:rPr lang="en-US" sz="1700" dirty="0" err="1">
-                <a:latin typeface="Courier"/>
-              </a:rPr>
-              <a:t>js_url</a:t>
-            </a:r>
-            <a:r>
-              <a:rPr lang="en-US" sz="1700" dirty="0">
-                <a:latin typeface="Courier"/>
-              </a:rPr>
-              <a:t> = </a:t>
-            </a:r>
-            <a:r>
-              <a:rPr lang="en-US" sz="1700" dirty="0" err="1">
-                <a:latin typeface="Courier"/>
-              </a:rPr>
-              <a:t>saga.url</a:t>
-            </a:r>
-            <a:r>
-              <a:rPr lang="en-US" sz="1700" dirty="0">
-                <a:latin typeface="Courier"/>
-              </a:rPr>
-              <a:t>("fork://</a:t>
-            </a:r>
-            <a:r>
-              <a:rPr lang="en-US" sz="1700" dirty="0" err="1">
-                <a:latin typeface="Courier"/>
-              </a:rPr>
-              <a:t>localhost</a:t>
-            </a:r>
-            <a:r>
-              <a:rPr lang="en-US" sz="1700" dirty="0">
-                <a:latin typeface="Courier"/>
-              </a:rPr>
-              <a:t>/")</a:t>
-            </a:r>
-          </a:p>
-          <a:p>
-            <a:pPr marL="0" indent="0">
-              <a:spcBef>
-                <a:spcPts val="0"/>
-              </a:spcBef>
-              <a:buNone/>
-            </a:pPr>
-            <a:r>
-              <a:rPr lang="en-US" sz="1700" dirty="0" err="1">
-                <a:latin typeface="Courier"/>
-              </a:rPr>
-              <a:t>job_service</a:t>
-            </a:r>
-            <a:r>
-              <a:rPr lang="en-US" sz="1700" dirty="0">
-                <a:latin typeface="Courier"/>
-              </a:rPr>
-              <a:t> = </a:t>
-            </a:r>
-            <a:r>
-              <a:rPr lang="en-US" sz="1700" dirty="0" err="1">
-                <a:latin typeface="Courier"/>
-              </a:rPr>
-              <a:t>saga.job.service</a:t>
-            </a:r>
-            <a:r>
-              <a:rPr lang="en-US" sz="1700" dirty="0">
-                <a:latin typeface="Courier"/>
-              </a:rPr>
-              <a:t>(</a:t>
-            </a:r>
-            <a:r>
-              <a:rPr lang="en-US" sz="1700" dirty="0" err="1">
-                <a:latin typeface="Courier"/>
-              </a:rPr>
-              <a:t>js_url</a:t>
-            </a:r>
-            <a:r>
-              <a:rPr lang="en-US" sz="1700" dirty="0">
-                <a:latin typeface="Courier"/>
-              </a:rPr>
-              <a:t>)</a:t>
-            </a:r>
-          </a:p>
-          <a:p>
-            <a:pPr marL="0" indent="0">
-              <a:spcBef>
-                <a:spcPts val="0"/>
-              </a:spcBef>
-              <a:buNone/>
-            </a:pPr>
-            <a:r>
-              <a:rPr lang="en-US" sz="1700" dirty="0" err="1">
-                <a:latin typeface="Courier"/>
-              </a:rPr>
-              <a:t>job_desc</a:t>
-            </a:r>
-            <a:r>
-              <a:rPr lang="en-US" sz="1700" dirty="0">
-                <a:latin typeface="Courier"/>
-              </a:rPr>
-              <a:t> = </a:t>
-            </a:r>
-            <a:r>
-              <a:rPr lang="en-US" sz="1700" dirty="0" err="1">
-                <a:latin typeface="Courier"/>
-              </a:rPr>
-              <a:t>saga.job.description</a:t>
-            </a:r>
-            <a:r>
-              <a:rPr lang="en-US" sz="1700" dirty="0">
-                <a:latin typeface="Courier"/>
-              </a:rPr>
-              <a:t>()</a:t>
-            </a:r>
-          </a:p>
-          <a:p>
-            <a:pPr marL="0" indent="0">
-              <a:spcBef>
-                <a:spcPts val="0"/>
-              </a:spcBef>
-              <a:buNone/>
-            </a:pPr>
-            <a:r>
-              <a:rPr lang="en-US" sz="1700" dirty="0" err="1">
-                <a:latin typeface="Courier"/>
-              </a:rPr>
-              <a:t>job_desc.executable</a:t>
-            </a:r>
-            <a:r>
-              <a:rPr lang="en-US" sz="1700" dirty="0">
-                <a:latin typeface="Courier"/>
-              </a:rPr>
-              <a:t> = "/bin/touch"</a:t>
-            </a:r>
-          </a:p>
-          <a:p>
-            <a:pPr marL="0" indent="0">
-              <a:spcBef>
-                <a:spcPts val="0"/>
-              </a:spcBef>
-              <a:buNone/>
-            </a:pPr>
-            <a:r>
-              <a:rPr lang="en-US" sz="1700" dirty="0" err="1">
-                <a:latin typeface="Courier"/>
-              </a:rPr>
-              <a:t>job_desc.arguments</a:t>
-            </a:r>
-            <a:r>
-              <a:rPr lang="en-US" sz="1700" dirty="0">
-                <a:latin typeface="Courier"/>
-              </a:rPr>
-              <a:t> = ["-a", "</a:t>
-            </a:r>
-            <a:r>
-              <a:rPr lang="en-US" sz="1700" dirty="0" err="1">
-                <a:latin typeface="Courier"/>
-              </a:rPr>
-              <a:t>touche</a:t>
-            </a:r>
-            <a:r>
-              <a:rPr lang="en-US" sz="1700" dirty="0">
-                <a:latin typeface="Courier"/>
-              </a:rPr>
-              <a:t>"]</a:t>
-            </a:r>
-          </a:p>
-          <a:p>
-            <a:pPr marL="0" indent="0">
-              <a:spcBef>
-                <a:spcPts val="0"/>
-              </a:spcBef>
-              <a:buNone/>
-            </a:pPr>
-            <a:r>
-              <a:rPr lang="en-US" sz="1700" dirty="0" err="1">
-                <a:latin typeface="Courier"/>
-              </a:rPr>
-              <a:t>my_job</a:t>
-            </a:r>
-            <a:r>
-              <a:rPr lang="en-US" sz="1700" dirty="0">
-                <a:latin typeface="Courier"/>
-              </a:rPr>
-              <a:t> = </a:t>
-            </a:r>
-            <a:r>
-              <a:rPr lang="en-US" sz="1700" dirty="0" err="1">
-                <a:latin typeface="Courier"/>
-              </a:rPr>
-              <a:t>job_service.create_job</a:t>
-            </a:r>
-            <a:r>
-              <a:rPr lang="en-US" sz="1700" dirty="0">
-                <a:latin typeface="Courier"/>
-              </a:rPr>
-              <a:t>(</a:t>
-            </a:r>
-            <a:r>
-              <a:rPr lang="en-US" sz="1700" dirty="0" err="1">
-                <a:latin typeface="Courier"/>
-              </a:rPr>
-              <a:t>job_desc</a:t>
-            </a:r>
-            <a:r>
-              <a:rPr lang="en-US" sz="1700" dirty="0">
-                <a:latin typeface="Courier"/>
-              </a:rPr>
-              <a:t>)</a:t>
-            </a:r>
-          </a:p>
-          <a:p>
-            <a:pPr marL="0" indent="0">
-              <a:spcBef>
-                <a:spcPts val="0"/>
-              </a:spcBef>
-              <a:buNone/>
-            </a:pPr>
-            <a:r>
-              <a:rPr lang="en-US" sz="1700" dirty="0" err="1">
-                <a:latin typeface="Courier"/>
-              </a:rPr>
-              <a:t>my_job.run</a:t>
-            </a:r>
-            <a:r>
-              <a:rPr lang="en-US" sz="1700" dirty="0">
-                <a:latin typeface="Courier"/>
-              </a:rPr>
-              <a:t>()</a:t>
-            </a:r>
+              <a:rPr lang="en-US" dirty="0"/>
+              <a:t>s</a:t>
+            </a:r>
+            <a:r>
+              <a:rPr lang="en-US" dirty="0" smtClean="0"/>
+              <a:t>ubmit </a:t>
+            </a:r>
+            <a:r>
+              <a:rPr lang="en-US" dirty="0" smtClean="0"/>
+              <a:t>a </a:t>
+            </a:r>
+            <a:r>
+              <a:rPr lang="en-US" dirty="0" smtClean="0"/>
+              <a:t>job</a:t>
+            </a:r>
+            <a:endParaRPr lang="en-US" dirty="0" smtClean="0"/>
           </a:p>
         </p:txBody>
       </p:sp>
@@ -31158,6 +31097,365 @@
               <a:t>TeraGrid SAGA Tutorial</a:t>
             </a:r>
             <a:endParaRPr lang="en-US" dirty="0"/>
+          </a:p>
+        </p:txBody>
+      </p:sp>
+      <p:sp>
+        <p:nvSpPr>
+          <p:cNvPr id="7" name="TextBox 6"/>
+          <p:cNvSpPr txBox="1"/>
+          <p:nvPr/>
+        </p:nvSpPr>
+        <p:spPr>
+          <a:xfrm>
+            <a:off x="1199108" y="2750560"/>
+            <a:ext cx="6063541" cy="3416320"/>
+          </a:xfrm>
+          <a:prstGeom prst="rect">
+            <a:avLst/>
+          </a:prstGeom>
+          <a:solidFill>
+            <a:srgbClr val="D7D9CD"/>
+          </a:solidFill>
+          <a:ln>
+            <a:solidFill>
+              <a:srgbClr val="8BADBD"/>
+            </a:solidFill>
+          </a:ln>
+        </p:spPr>
+        <p:style>
+          <a:lnRef idx="2">
+            <a:schemeClr val="accent4"/>
+          </a:lnRef>
+          <a:fillRef idx="1">
+            <a:schemeClr val="lt1"/>
+          </a:fillRef>
+          <a:effectRef idx="0">
+            <a:schemeClr val="accent4"/>
+          </a:effectRef>
+          <a:fontRef idx="minor">
+            <a:schemeClr val="dk1"/>
+          </a:fontRef>
+        </p:style>
+        <p:txBody>
+          <a:bodyPr wrap="square" rtlCol="0">
+            <a:spAutoFit/>
+          </a:bodyPr>
+          <a:lstStyle/>
+          <a:p>
+            <a:pPr>
+              <a:tabLst>
+                <a:tab pos="1428750" algn="l"/>
+              </a:tabLst>
+            </a:pPr>
+            <a:r>
+              <a:rPr lang="en-US" dirty="0">
+                <a:latin typeface="Courier"/>
+              </a:rPr>
+              <a:t>import </a:t>
+            </a:r>
+            <a:r>
+              <a:rPr lang="en-US" dirty="0" smtClean="0">
+                <a:latin typeface="Courier"/>
+              </a:rPr>
+              <a:t>saga</a:t>
+            </a:r>
+          </a:p>
+          <a:p>
+            <a:pPr>
+              <a:tabLst>
+                <a:tab pos="1428750" algn="l"/>
+              </a:tabLst>
+            </a:pPr>
+            <a:endParaRPr lang="en-US" dirty="0">
+              <a:latin typeface="Courier"/>
+            </a:endParaRPr>
+          </a:p>
+          <a:p>
+            <a:pPr>
+              <a:tabLst>
+                <a:tab pos="1428750" algn="l"/>
+              </a:tabLst>
+            </a:pPr>
+            <a:r>
+              <a:rPr lang="en-US" dirty="0" err="1">
+                <a:latin typeface="Courier"/>
+              </a:rPr>
+              <a:t>js_url</a:t>
+            </a:r>
+            <a:r>
+              <a:rPr lang="en-US" dirty="0">
+                <a:latin typeface="Courier"/>
+              </a:rPr>
+              <a:t> </a:t>
+            </a:r>
+            <a:r>
+              <a:rPr lang="en-US" dirty="0" smtClean="0">
+                <a:latin typeface="Courier"/>
+              </a:rPr>
+              <a:t>	= saga.url ("</a:t>
+            </a:r>
+            <a:r>
+              <a:rPr lang="en-US" dirty="0">
+                <a:latin typeface="Courier"/>
+              </a:rPr>
+              <a:t>fork://</a:t>
+            </a:r>
+            <a:r>
+              <a:rPr lang="en-US" dirty="0" err="1">
+                <a:latin typeface="Courier"/>
+              </a:rPr>
+              <a:t>localhost</a:t>
+            </a:r>
+            <a:r>
+              <a:rPr lang="en-US" dirty="0">
+                <a:latin typeface="Courier"/>
+              </a:rPr>
+              <a:t>/")</a:t>
+            </a:r>
+          </a:p>
+          <a:p>
+            <a:pPr>
+              <a:tabLst>
+                <a:tab pos="1428750" algn="l"/>
+              </a:tabLst>
+            </a:pPr>
+            <a:r>
+              <a:rPr lang="en-US" dirty="0" err="1">
+                <a:latin typeface="Courier"/>
+              </a:rPr>
+              <a:t>job_service</a:t>
+            </a:r>
+            <a:r>
+              <a:rPr lang="en-US" dirty="0">
+                <a:latin typeface="Courier"/>
+              </a:rPr>
+              <a:t> </a:t>
+            </a:r>
+            <a:r>
+              <a:rPr lang="en-US" dirty="0" smtClean="0">
+                <a:latin typeface="Courier"/>
+              </a:rPr>
+              <a:t>	= </a:t>
+            </a:r>
+            <a:r>
+              <a:rPr lang="en-US" dirty="0" err="1" smtClean="0">
+                <a:latin typeface="Courier"/>
+              </a:rPr>
+              <a:t>saga.job.service</a:t>
+            </a:r>
+            <a:r>
+              <a:rPr lang="en-US" dirty="0" smtClean="0">
+                <a:latin typeface="Courier"/>
+              </a:rPr>
+              <a:t> (</a:t>
+            </a:r>
+            <a:r>
+              <a:rPr lang="en-US" dirty="0" err="1">
+                <a:latin typeface="Courier"/>
+              </a:rPr>
+              <a:t>js_url</a:t>
+            </a:r>
+            <a:r>
+              <a:rPr lang="en-US" dirty="0">
+                <a:latin typeface="Courier"/>
+              </a:rPr>
+              <a:t>)</a:t>
+            </a:r>
+          </a:p>
+          <a:p>
+            <a:pPr>
+              <a:tabLst>
+                <a:tab pos="1428750" algn="l"/>
+              </a:tabLst>
+            </a:pPr>
+            <a:r>
+              <a:rPr lang="en-US" dirty="0" err="1">
+                <a:latin typeface="Courier"/>
+              </a:rPr>
+              <a:t>job_desc</a:t>
+            </a:r>
+            <a:r>
+              <a:rPr lang="en-US" dirty="0">
+                <a:latin typeface="Courier"/>
+              </a:rPr>
+              <a:t> </a:t>
+            </a:r>
+            <a:r>
+              <a:rPr lang="en-US" dirty="0" smtClean="0">
+                <a:latin typeface="Courier"/>
+              </a:rPr>
+              <a:t>	= </a:t>
+            </a:r>
+            <a:r>
+              <a:rPr lang="en-US" dirty="0" err="1" smtClean="0">
+                <a:latin typeface="Courier"/>
+              </a:rPr>
+              <a:t>saga.job.description</a:t>
+            </a:r>
+            <a:r>
+              <a:rPr lang="en-US" dirty="0" smtClean="0">
+                <a:latin typeface="Courier"/>
+              </a:rPr>
+              <a:t> ()</a:t>
+            </a:r>
+          </a:p>
+          <a:p>
+            <a:pPr>
+              <a:tabLst>
+                <a:tab pos="1428750" algn="l"/>
+              </a:tabLst>
+            </a:pPr>
+            <a:endParaRPr lang="en-US" dirty="0">
+              <a:latin typeface="Courier"/>
+            </a:endParaRPr>
+          </a:p>
+          <a:p>
+            <a:pPr>
+              <a:tabLst>
+                <a:tab pos="1428750" algn="l"/>
+              </a:tabLst>
+            </a:pPr>
+            <a:r>
+              <a:rPr lang="en-US" dirty="0" err="1">
+                <a:latin typeface="Courier"/>
+              </a:rPr>
+              <a:t>job_desc.executable</a:t>
+            </a:r>
+            <a:r>
+              <a:rPr lang="en-US" dirty="0">
+                <a:latin typeface="Courier"/>
+              </a:rPr>
+              <a:t> = "/bin/touch"</a:t>
+            </a:r>
+          </a:p>
+          <a:p>
+            <a:pPr>
+              <a:tabLst>
+                <a:tab pos="1428750" algn="l"/>
+              </a:tabLst>
+            </a:pPr>
+            <a:r>
+              <a:rPr lang="en-US" dirty="0" err="1">
+                <a:latin typeface="Courier"/>
+              </a:rPr>
+              <a:t>job_desc.arguments</a:t>
+            </a:r>
+            <a:r>
+              <a:rPr lang="en-US" dirty="0">
+                <a:latin typeface="Courier"/>
+              </a:rPr>
+              <a:t> </a:t>
+            </a:r>
+            <a:r>
+              <a:rPr lang="en-US" dirty="0" smtClean="0">
+                <a:latin typeface="Courier"/>
+              </a:rPr>
+              <a:t>= </a:t>
+            </a:r>
+            <a:r>
+              <a:rPr lang="en-US" dirty="0">
+                <a:latin typeface="Courier"/>
+              </a:rPr>
+              <a:t>["-a", "</a:t>
+            </a:r>
+            <a:r>
+              <a:rPr lang="en-US" dirty="0" err="1">
+                <a:latin typeface="Courier"/>
+              </a:rPr>
+              <a:t>touche</a:t>
+            </a:r>
+            <a:r>
+              <a:rPr lang="en-US" dirty="0">
+                <a:latin typeface="Courier"/>
+              </a:rPr>
+              <a:t>"]</a:t>
+            </a:r>
+          </a:p>
+          <a:p>
+            <a:pPr>
+              <a:tabLst>
+                <a:tab pos="1428750" algn="l"/>
+              </a:tabLst>
+            </a:pPr>
+            <a:endParaRPr lang="en-US" dirty="0" smtClean="0">
+              <a:latin typeface="Courier"/>
+            </a:endParaRPr>
+          </a:p>
+          <a:p>
+            <a:pPr>
+              <a:tabLst>
+                <a:tab pos="1428750" algn="l"/>
+              </a:tabLst>
+            </a:pPr>
+            <a:r>
+              <a:rPr lang="en-US" dirty="0" err="1" smtClean="0">
+                <a:latin typeface="Courier"/>
+              </a:rPr>
+              <a:t>my_job</a:t>
+            </a:r>
+            <a:r>
+              <a:rPr lang="en-US" dirty="0" smtClean="0">
+                <a:latin typeface="Courier"/>
+              </a:rPr>
+              <a:t> 	= </a:t>
+            </a:r>
+            <a:r>
+              <a:rPr lang="en-US" dirty="0" err="1" smtClean="0">
+                <a:latin typeface="Courier"/>
+              </a:rPr>
+              <a:t>job_service.create_job</a:t>
+            </a:r>
+            <a:r>
+              <a:rPr lang="en-US" dirty="0" smtClean="0">
+                <a:latin typeface="Courier"/>
+              </a:rPr>
+              <a:t> (</a:t>
+            </a:r>
+            <a:r>
+              <a:rPr lang="en-US" dirty="0" err="1">
+                <a:latin typeface="Courier"/>
+              </a:rPr>
+              <a:t>job_desc</a:t>
+            </a:r>
+            <a:r>
+              <a:rPr lang="en-US" dirty="0" smtClean="0">
+                <a:latin typeface="Courier"/>
+              </a:rPr>
+              <a:t>)</a:t>
+            </a:r>
+          </a:p>
+          <a:p>
+            <a:pPr>
+              <a:tabLst>
+                <a:tab pos="1428750" algn="l"/>
+              </a:tabLst>
+            </a:pPr>
+            <a:endParaRPr lang="en-US" dirty="0">
+              <a:latin typeface="Courier"/>
+            </a:endParaRPr>
+          </a:p>
+          <a:p>
+            <a:pPr>
+              <a:tabLst>
+                <a:tab pos="1428750" algn="l"/>
+              </a:tabLst>
+            </a:pPr>
+            <a:r>
+              <a:rPr lang="en-US" dirty="0" err="1" smtClean="0">
+                <a:latin typeface="Courier"/>
+              </a:rPr>
+              <a:t>my_job.run</a:t>
+            </a:r>
+            <a:r>
+              <a:rPr lang="en-US" dirty="0" smtClean="0">
+                <a:latin typeface="Courier"/>
+              </a:rPr>
+              <a:t> ()</a:t>
+            </a:r>
+            <a:endParaRPr lang="en-US" dirty="0">
+              <a:latin typeface="Courier"/>
+            </a:endParaRPr>
           </a:p>
         </p:txBody>
       </p:sp>
@@ -31804,293 +32102,13 @@
           <a:p>
             <a:r>
               <a:rPr lang="en-US" dirty="0" smtClean="0"/>
-              <a:t>Create and modify an advert entry</a:t>
-            </a:r>
-          </a:p>
-          <a:p>
-            <a:pPr marL="0" indent="0">
-              <a:buNone/>
-            </a:pPr>
-            <a:r>
-              <a:rPr lang="en-US" sz="1700" dirty="0">
-                <a:latin typeface="Courier"/>
-              </a:rPr>
-              <a:t># host/process A</a:t>
-            </a:r>
-            <a:br>
-              <a:rPr lang="en-US" sz="1700" dirty="0">
-                <a:latin typeface="Courier"/>
-              </a:rPr>
-            </a:br>
-            <a:r>
-              <a:rPr lang="en-US" sz="1700" dirty="0">
-                <a:latin typeface="Courier"/>
-              </a:rPr>
-              <a:t>import saga</a:t>
-            </a:r>
-            <a:br>
-              <a:rPr lang="en-US" sz="1700" dirty="0">
-                <a:latin typeface="Courier"/>
-              </a:rPr>
-            </a:br>
-            <a:r>
-              <a:rPr lang="en-US" sz="1700" dirty="0">
-                <a:latin typeface="Courier"/>
-              </a:rPr>
-              <a:t>import time</a:t>
-            </a:r>
-            <a:br>
-              <a:rPr lang="en-US" sz="1700" dirty="0">
-                <a:latin typeface="Courier"/>
-              </a:rPr>
-            </a:br>
-            <a:r>
-              <a:rPr lang="en-US" sz="1700" dirty="0">
-                <a:latin typeface="Courier"/>
-              </a:rPr>
-              <a:t/>
-            </a:r>
-            <a:br>
-              <a:rPr lang="en-US" sz="1700" dirty="0">
-                <a:latin typeface="Courier"/>
-              </a:rPr>
-            </a:br>
-            <a:r>
-              <a:rPr lang="en-US" sz="1700" dirty="0">
-                <a:latin typeface="Courier"/>
-              </a:rPr>
-              <a:t>name = </a:t>
-            </a:r>
-            <a:r>
-              <a:rPr lang="en-US" sz="1700" dirty="0" err="1">
-                <a:latin typeface="Courier"/>
-              </a:rPr>
-              <a:t>saga.url</a:t>
-            </a:r>
-            <a:r>
-              <a:rPr lang="en-US" sz="1700" dirty="0">
-                <a:latin typeface="Courier"/>
-              </a:rPr>
-              <a:t>("advert://</a:t>
-            </a:r>
-            <a:r>
-              <a:rPr lang="en-US" sz="1700" dirty="0" err="1">
-                <a:latin typeface="Courier"/>
-              </a:rPr>
-              <a:t>localhost</a:t>
-            </a:r>
-            <a:r>
-              <a:rPr lang="en-US" sz="1700" dirty="0">
-                <a:latin typeface="Courier"/>
-              </a:rPr>
-              <a:t>/</a:t>
-            </a:r>
-            <a:r>
-              <a:rPr lang="en-US" sz="1700" b="1" dirty="0" err="1">
-                <a:latin typeface="Courier"/>
-              </a:rPr>
-              <a:t>myentry</a:t>
-            </a:r>
-            <a:r>
-              <a:rPr lang="en-US" sz="1700" dirty="0">
-                <a:latin typeface="Courier"/>
-              </a:rPr>
-              <a:t>")</a:t>
-            </a:r>
-            <a:br>
-              <a:rPr lang="en-US" sz="1700" dirty="0">
-                <a:latin typeface="Courier"/>
-              </a:rPr>
-            </a:br>
-            <a:r>
-              <a:rPr lang="en-US" sz="1300" dirty="0">
-                <a:latin typeface="Courier"/>
-              </a:rPr>
-              <a:t>e = </a:t>
-            </a:r>
-            <a:r>
-              <a:rPr lang="en-US" sz="1300" dirty="0" err="1">
-                <a:latin typeface="Courier"/>
-              </a:rPr>
-              <a:t>saga.advert.entry</a:t>
-            </a:r>
-            <a:r>
-              <a:rPr lang="en-US" sz="1300" dirty="0">
-                <a:latin typeface="Courier"/>
-              </a:rPr>
-              <a:t>(name, </a:t>
-            </a:r>
-            <a:r>
-              <a:rPr lang="en-US" sz="1300" dirty="0" err="1">
-                <a:latin typeface="Courier"/>
-              </a:rPr>
-              <a:t>saga.advert.ReadWrite|saga.advert.Create</a:t>
-            </a:r>
-            <a:r>
-              <a:rPr lang="en-US" sz="1300" dirty="0">
-                <a:latin typeface="Courier"/>
-              </a:rPr>
-              <a:t>)</a:t>
-            </a:r>
-            <a:br>
-              <a:rPr lang="en-US" sz="1300" dirty="0">
-                <a:latin typeface="Courier"/>
-              </a:rPr>
-            </a:br>
-            <a:r>
-              <a:rPr lang="en-US" sz="1200" dirty="0" err="1">
-                <a:latin typeface="Courier"/>
-              </a:rPr>
-              <a:t>e.set_attribute</a:t>
-            </a:r>
-            <a:r>
-              <a:rPr lang="en-US" sz="1200" dirty="0">
-                <a:latin typeface="Courier"/>
-              </a:rPr>
-              <a:t>("started", </a:t>
-            </a:r>
-            <a:r>
-              <a:rPr lang="en-US" sz="1200" dirty="0" err="1">
-                <a:latin typeface="Courier"/>
-              </a:rPr>
-              <a:t>time.strftime</a:t>
-            </a:r>
-            <a:r>
-              <a:rPr lang="en-US" sz="1200" dirty="0">
-                <a:latin typeface="Courier"/>
-              </a:rPr>
-              <a:t>("%a, %d %b %Y %H:%M:%S +0000", </a:t>
-            </a:r>
-            <a:r>
-              <a:rPr lang="en-US" sz="1200" dirty="0" err="1">
-                <a:latin typeface="Courier"/>
-              </a:rPr>
-              <a:t>time.gmtime</a:t>
-            </a:r>
-            <a:r>
-              <a:rPr lang="en-US" sz="1200" dirty="0">
-                <a:latin typeface="Courier"/>
-              </a:rPr>
-              <a:t>())</a:t>
-            </a:r>
-            <a:endParaRPr lang="en-US" sz="1300" dirty="0">
-              <a:latin typeface="Courier"/>
-            </a:endParaRPr>
-          </a:p>
-          <a:p>
-            <a:pPr marL="0" indent="0">
-              <a:buNone/>
-            </a:pPr>
-            <a:r>
-              <a:rPr lang="en-US" sz="1700" dirty="0">
-                <a:latin typeface="Courier"/>
-              </a:rPr>
-              <a:t># host/process B</a:t>
-            </a:r>
-            <a:br>
-              <a:rPr lang="en-US" sz="1700" dirty="0">
-                <a:latin typeface="Courier"/>
-              </a:rPr>
-            </a:br>
-            <a:r>
-              <a:rPr lang="en-US" sz="1700" dirty="0">
-                <a:latin typeface="Courier"/>
-              </a:rPr>
-              <a:t>import saga</a:t>
-            </a:r>
-            <a:br>
-              <a:rPr lang="en-US" sz="1700" dirty="0">
-                <a:latin typeface="Courier"/>
-              </a:rPr>
-            </a:br>
-            <a:r>
-              <a:rPr lang="en-US" sz="1700" dirty="0">
-                <a:latin typeface="Courier"/>
-              </a:rPr>
-              <a:t>name = </a:t>
-            </a:r>
-            <a:r>
-              <a:rPr lang="en-US" sz="1700" dirty="0" err="1">
-                <a:latin typeface="Courier"/>
-              </a:rPr>
-              <a:t>saga.url</a:t>
-            </a:r>
-            <a:r>
-              <a:rPr lang="en-US" sz="1700" dirty="0">
-                <a:latin typeface="Courier"/>
-              </a:rPr>
-              <a:t>("advert://</a:t>
-            </a:r>
-            <a:r>
-              <a:rPr lang="en-US" sz="1700" dirty="0" err="1">
-                <a:latin typeface="Courier"/>
-              </a:rPr>
-              <a:t>localhost</a:t>
-            </a:r>
-            <a:r>
-              <a:rPr lang="en-US" sz="1700" dirty="0">
-                <a:latin typeface="Courier"/>
-              </a:rPr>
-              <a:t>/</a:t>
-            </a:r>
-            <a:r>
-              <a:rPr lang="en-US" sz="1700" b="1" dirty="0" err="1">
-                <a:latin typeface="Courier"/>
-              </a:rPr>
-              <a:t>myentry</a:t>
-            </a:r>
-            <a:r>
-              <a:rPr lang="en-US" sz="1700" dirty="0">
-                <a:latin typeface="Courier"/>
-              </a:rPr>
-              <a:t>")</a:t>
-            </a:r>
-            <a:br>
-              <a:rPr lang="en-US" sz="1700" dirty="0">
-                <a:latin typeface="Courier"/>
-              </a:rPr>
-            </a:br>
-            <a:r>
-              <a:rPr lang="en-US" sz="1700" dirty="0">
-                <a:latin typeface="Courier"/>
-              </a:rPr>
-              <a:t>e = </a:t>
-            </a:r>
-            <a:r>
-              <a:rPr lang="en-US" sz="1700" dirty="0" err="1">
-                <a:latin typeface="Courier"/>
-              </a:rPr>
-              <a:t>saga.advert.entry</a:t>
-            </a:r>
-            <a:r>
-              <a:rPr lang="en-US" sz="1700" dirty="0">
-                <a:latin typeface="Courier"/>
-              </a:rPr>
-              <a:t>(name)</a:t>
-            </a:r>
-            <a:br>
-              <a:rPr lang="en-US" sz="1700" dirty="0">
-                <a:latin typeface="Courier"/>
-              </a:rPr>
-            </a:br>
-            <a:r>
-              <a:rPr lang="en-US" sz="1700" dirty="0">
-                <a:latin typeface="Courier"/>
-              </a:rPr>
-              <a:t>print "started: " + </a:t>
-            </a:r>
-            <a:r>
-              <a:rPr lang="en-US" sz="1700" dirty="0" err="1">
-                <a:latin typeface="Courier"/>
-              </a:rPr>
-              <a:t>e.get_attribute</a:t>
-            </a:r>
-            <a:r>
-              <a:rPr lang="en-US" sz="1700" dirty="0">
-                <a:latin typeface="Courier"/>
-              </a:rPr>
-              <a:t>("started")</a:t>
-            </a:r>
+              <a:t>Create and modify an advert </a:t>
+            </a:r>
+            <a:r>
+              <a:rPr lang="en-US" dirty="0" smtClean="0"/>
+              <a:t>entry</a:t>
+            </a:r>
+            <a:endParaRPr lang="en-US" dirty="0" smtClean="0"/>
           </a:p>
         </p:txBody>
       </p:sp>
@@ -32161,6 +32179,425 @@
               <a:t>TeraGrid SAGA Tutorial</a:t>
             </a:r>
             <a:endParaRPr lang="en-US" dirty="0"/>
+          </a:p>
+        </p:txBody>
+      </p:sp>
+      <p:sp>
+        <p:nvSpPr>
+          <p:cNvPr id="7" name="TextBox 6"/>
+          <p:cNvSpPr txBox="1"/>
+          <p:nvPr/>
+        </p:nvSpPr>
+        <p:spPr>
+          <a:xfrm>
+            <a:off x="694612" y="2610683"/>
+            <a:ext cx="8095282" cy="3785652"/>
+          </a:xfrm>
+          <a:prstGeom prst="rect">
+            <a:avLst/>
+          </a:prstGeom>
+          <a:solidFill>
+            <a:srgbClr val="D7D9CD"/>
+          </a:solidFill>
+          <a:ln>
+            <a:solidFill>
+              <a:srgbClr val="8BADBD"/>
+            </a:solidFill>
+          </a:ln>
+        </p:spPr>
+        <p:style>
+          <a:lnRef idx="2">
+            <a:schemeClr val="accent4"/>
+          </a:lnRef>
+          <a:fillRef idx="1">
+            <a:schemeClr val="lt1"/>
+          </a:fillRef>
+          <a:effectRef idx="0">
+            <a:schemeClr val="accent4"/>
+          </a:effectRef>
+          <a:fontRef idx="minor">
+            <a:schemeClr val="dk1"/>
+          </a:fontRef>
+        </p:style>
+        <p:txBody>
+          <a:bodyPr wrap="square" rtlCol="0">
+            <a:spAutoFit/>
+          </a:bodyPr>
+          <a:lstStyle/>
+          <a:p>
+            <a:pPr>
+              <a:tabLst>
+                <a:tab pos="862013" algn="l"/>
+              </a:tabLst>
+            </a:pPr>
+            <a:r>
+              <a:rPr lang="en-US" sz="1600" dirty="0">
+                <a:latin typeface="Courier"/>
+              </a:rPr>
+              <a:t># host/process </a:t>
+            </a:r>
+            <a:r>
+              <a:rPr lang="en-US" sz="1600" dirty="0" smtClean="0">
+                <a:latin typeface="Courier"/>
+              </a:rPr>
+              <a:t>A</a:t>
+            </a:r>
+            <a:r>
+              <a:rPr lang="en-US" sz="1600" dirty="0">
+                <a:latin typeface="Courier"/>
+              </a:rPr>
+              <a:t/>
+            </a:r>
+            <a:br>
+              <a:rPr lang="en-US" sz="1600" dirty="0">
+                <a:latin typeface="Courier"/>
+              </a:rPr>
+            </a:br>
+            <a:r>
+              <a:rPr lang="en-US" sz="1600" dirty="0">
+                <a:latin typeface="Courier"/>
+              </a:rPr>
+              <a:t>import saga</a:t>
+            </a:r>
+            <a:br>
+              <a:rPr lang="en-US" sz="1600" dirty="0">
+                <a:latin typeface="Courier"/>
+              </a:rPr>
+            </a:br>
+            <a:r>
+              <a:rPr lang="en-US" sz="1600" dirty="0">
+                <a:latin typeface="Courier"/>
+              </a:rPr>
+              <a:t>import time</a:t>
+            </a:r>
+            <a:br>
+              <a:rPr lang="en-US" sz="1600" dirty="0">
+                <a:latin typeface="Courier"/>
+              </a:rPr>
+            </a:br>
+            <a:r>
+              <a:rPr lang="en-US" sz="1600" dirty="0" smtClean="0">
+                <a:latin typeface="Courier"/>
+              </a:rPr>
+              <a:t>name 	= saga.url ("</a:t>
+            </a:r>
+            <a:r>
+              <a:rPr lang="en-US" sz="1600" dirty="0">
+                <a:latin typeface="Courier"/>
+              </a:rPr>
+              <a:t>advert://</a:t>
+            </a:r>
+            <a:r>
+              <a:rPr lang="en-US" sz="1600" dirty="0" err="1">
+                <a:latin typeface="Courier"/>
+              </a:rPr>
+              <a:t>localhost</a:t>
+            </a:r>
+            <a:r>
+              <a:rPr lang="en-US" sz="1600" dirty="0">
+                <a:latin typeface="Courier"/>
+              </a:rPr>
+              <a:t>/</a:t>
+            </a:r>
+            <a:r>
+              <a:rPr lang="en-US" sz="1600" b="1" dirty="0" err="1">
+                <a:latin typeface="Courier"/>
+              </a:rPr>
+              <a:t>myentry</a:t>
+            </a:r>
+            <a:r>
+              <a:rPr lang="en-US" sz="1600" dirty="0">
+                <a:latin typeface="Courier"/>
+              </a:rPr>
+              <a:t>")</a:t>
+            </a:r>
+            <a:br>
+              <a:rPr lang="en-US" sz="1600" dirty="0">
+                <a:latin typeface="Courier"/>
+              </a:rPr>
+            </a:br>
+            <a:r>
+              <a:rPr lang="en-US" sz="1600" dirty="0">
+                <a:latin typeface="Courier"/>
+              </a:rPr>
+              <a:t>e </a:t>
+            </a:r>
+            <a:r>
+              <a:rPr lang="en-US" sz="1600" dirty="0" smtClean="0">
+                <a:latin typeface="Courier"/>
+              </a:rPr>
+              <a:t>	= </a:t>
+            </a:r>
+            <a:r>
+              <a:rPr lang="en-US" sz="1600" dirty="0" err="1" smtClean="0">
+                <a:latin typeface="Courier"/>
+              </a:rPr>
+              <a:t>saga.advert.entry</a:t>
+            </a:r>
+            <a:r>
+              <a:rPr lang="en-US" sz="1600" dirty="0" smtClean="0">
+                <a:latin typeface="Courier"/>
+              </a:rPr>
+              <a:t> (name, </a:t>
+            </a:r>
+            <a:r>
+              <a:rPr lang="en-US" sz="1600" dirty="0" err="1" smtClean="0">
+                <a:latin typeface="Courier"/>
+              </a:rPr>
+              <a:t>saga.advert.ReadWrite|saga.advert.Create</a:t>
+            </a:r>
+            <a:r>
+              <a:rPr lang="en-US" sz="1600" dirty="0">
+                <a:latin typeface="Courier"/>
+              </a:rPr>
+              <a:t>)</a:t>
+            </a:r>
+            <a:br>
+              <a:rPr lang="en-US" sz="1600" dirty="0">
+                <a:latin typeface="Courier"/>
+              </a:rPr>
+            </a:br>
+            <a:endParaRPr lang="en-US" sz="1600" dirty="0" smtClean="0">
+              <a:latin typeface="Courier"/>
+            </a:endParaRPr>
+          </a:p>
+          <a:p>
+            <a:pPr>
+              <a:tabLst>
+                <a:tab pos="862013" algn="l"/>
+              </a:tabLst>
+            </a:pPr>
+            <a:r>
+              <a:rPr lang="en-US" sz="1600" dirty="0" err="1" smtClean="0">
+                <a:latin typeface="Courier"/>
+              </a:rPr>
+              <a:t>e.set_attribute</a:t>
+            </a:r>
+            <a:r>
+              <a:rPr lang="en-US" sz="1600" dirty="0" smtClean="0">
+                <a:latin typeface="Courier"/>
+              </a:rPr>
+              <a:t> ("</a:t>
+            </a:r>
+            <a:r>
+              <a:rPr lang="en-US" sz="1600" dirty="0">
+                <a:latin typeface="Courier"/>
+              </a:rPr>
+              <a:t>started", </a:t>
+            </a:r>
+            <a:r>
+              <a:rPr lang="en-US" sz="1600" dirty="0" err="1" smtClean="0">
+                <a:latin typeface="Courier"/>
+              </a:rPr>
+              <a:t>time.strftime</a:t>
+            </a:r>
+            <a:r>
+              <a:rPr lang="en-US" sz="1600" dirty="0" smtClean="0">
+                <a:latin typeface="Courier"/>
+              </a:rPr>
+              <a:t> ("%</a:t>
+            </a:r>
+            <a:r>
+              <a:rPr lang="en-US" sz="1600" dirty="0">
+                <a:latin typeface="Courier"/>
+              </a:rPr>
+              <a:t>a, %d %b %Y %H:%M:%S +0000", </a:t>
+            </a:r>
+            <a:endParaRPr lang="en-US" sz="1600" dirty="0" smtClean="0">
+              <a:latin typeface="Courier"/>
+            </a:endParaRPr>
+          </a:p>
+          <a:p>
+            <a:pPr>
+              <a:tabLst>
+                <a:tab pos="862013" algn="l"/>
+              </a:tabLst>
+            </a:pPr>
+            <a:r>
+              <a:rPr lang="en-US" sz="1600" dirty="0">
+                <a:latin typeface="Courier"/>
+              </a:rPr>
+              <a:t>	</a:t>
+            </a:r>
+            <a:r>
+              <a:rPr lang="en-US" sz="1600" dirty="0" smtClean="0">
+                <a:latin typeface="Courier"/>
+              </a:rPr>
+              <a:t>		          </a:t>
+            </a:r>
+            <a:r>
+              <a:rPr lang="en-US" sz="1600" dirty="0" err="1" smtClean="0">
+                <a:latin typeface="Courier"/>
+              </a:rPr>
+              <a:t>time.gmtime</a:t>
+            </a:r>
+            <a:r>
+              <a:rPr lang="en-US" sz="1600" dirty="0" smtClean="0">
+                <a:latin typeface="Courier"/>
+              </a:rPr>
+              <a:t>())</a:t>
+            </a:r>
+          </a:p>
+          <a:p>
+            <a:pPr>
+              <a:tabLst>
+                <a:tab pos="862013" algn="l"/>
+              </a:tabLst>
+            </a:pPr>
+            <a:endParaRPr lang="en-US" sz="1600" dirty="0">
+              <a:latin typeface="Courier"/>
+            </a:endParaRPr>
+          </a:p>
+          <a:p>
+            <a:pPr>
+              <a:tabLst>
+                <a:tab pos="862013" algn="l"/>
+              </a:tabLst>
+            </a:pPr>
+            <a:r>
+              <a:rPr lang="en-US" sz="1600" dirty="0">
+                <a:latin typeface="Courier"/>
+              </a:rPr>
+              <a:t># host/process B</a:t>
+            </a:r>
+            <a:br>
+              <a:rPr lang="en-US" sz="1600" dirty="0">
+                <a:latin typeface="Courier"/>
+              </a:rPr>
+            </a:br>
+            <a:r>
+              <a:rPr lang="en-US" sz="1600" dirty="0">
+                <a:latin typeface="Courier"/>
+              </a:rPr>
+              <a:t>import saga</a:t>
+            </a:r>
+            <a:br>
+              <a:rPr lang="en-US" sz="1600" dirty="0">
+                <a:latin typeface="Courier"/>
+              </a:rPr>
+            </a:br>
+            <a:r>
+              <a:rPr lang="en-US" sz="1600" dirty="0">
+                <a:latin typeface="Courier"/>
+              </a:rPr>
+              <a:t>name </a:t>
+            </a:r>
+            <a:r>
+              <a:rPr lang="en-US" sz="1600" dirty="0" smtClean="0">
+                <a:latin typeface="Courier"/>
+              </a:rPr>
+              <a:t>	= saga.url ("</a:t>
+            </a:r>
+            <a:r>
+              <a:rPr lang="en-US" sz="1600" dirty="0">
+                <a:latin typeface="Courier"/>
+              </a:rPr>
+              <a:t>advert://</a:t>
+            </a:r>
+            <a:r>
+              <a:rPr lang="en-US" sz="1600" dirty="0" err="1">
+                <a:latin typeface="Courier"/>
+              </a:rPr>
+              <a:t>localhost</a:t>
+            </a:r>
+            <a:r>
+              <a:rPr lang="en-US" sz="1600" dirty="0">
+                <a:latin typeface="Courier"/>
+              </a:rPr>
+              <a:t>/</a:t>
+            </a:r>
+            <a:r>
+              <a:rPr lang="en-US" sz="1600" b="1" dirty="0" err="1">
+                <a:latin typeface="Courier"/>
+              </a:rPr>
+              <a:t>myentry</a:t>
+            </a:r>
+            <a:r>
+              <a:rPr lang="en-US" sz="1600" dirty="0">
+                <a:latin typeface="Courier"/>
+              </a:rPr>
+              <a:t>")</a:t>
+            </a:r>
+            <a:br>
+              <a:rPr lang="en-US" sz="1600" dirty="0">
+                <a:latin typeface="Courier"/>
+              </a:rPr>
+            </a:br>
+            <a:r>
+              <a:rPr lang="en-US" sz="1600" dirty="0">
+                <a:latin typeface="Courier"/>
+              </a:rPr>
+              <a:t>e </a:t>
+            </a:r>
+            <a:r>
+              <a:rPr lang="en-US" sz="1600" dirty="0" smtClean="0">
+                <a:latin typeface="Courier"/>
+              </a:rPr>
+              <a:t>	= </a:t>
+            </a:r>
+            <a:r>
+              <a:rPr lang="en-US" sz="1600" dirty="0" err="1" smtClean="0">
+                <a:latin typeface="Courier"/>
+              </a:rPr>
+              <a:t>saga.advert.entry</a:t>
+            </a:r>
+            <a:r>
+              <a:rPr lang="en-US" sz="1600" dirty="0" smtClean="0">
+                <a:latin typeface="Courier"/>
+              </a:rPr>
+              <a:t> (</a:t>
+            </a:r>
+            <a:r>
+              <a:rPr lang="en-US" sz="1600" dirty="0">
+                <a:latin typeface="Courier"/>
+              </a:rPr>
+              <a:t>name)</a:t>
+            </a:r>
+            <a:br>
+              <a:rPr lang="en-US" sz="1600" dirty="0">
+                <a:latin typeface="Courier"/>
+              </a:rPr>
+            </a:br>
+            <a:r>
+              <a:rPr lang="en-US" sz="1600" dirty="0">
+                <a:latin typeface="Courier"/>
+              </a:rPr>
+              <a:t>print "started: " + </a:t>
+            </a:r>
+            <a:r>
+              <a:rPr lang="en-US" sz="1600" dirty="0" err="1" smtClean="0">
+                <a:latin typeface="Courier"/>
+              </a:rPr>
+              <a:t>e.get_attribute</a:t>
+            </a:r>
+            <a:r>
+              <a:rPr lang="en-US" sz="1600" dirty="0" smtClean="0">
+                <a:latin typeface="Courier"/>
+              </a:rPr>
+              <a:t> ("</a:t>
+            </a:r>
+            <a:r>
+              <a:rPr lang="en-US" sz="1600" dirty="0">
+                <a:latin typeface="Courier"/>
+              </a:rPr>
+              <a:t>started</a:t>
+            </a:r>
+            <a:r>
+              <a:rPr lang="en-US" sz="1600" dirty="0" smtClean="0">
+                <a:latin typeface="Courier"/>
+              </a:rPr>
+              <a:t>")</a:t>
+            </a:r>
+          </a:p>
+          <a:p>
+            <a:pPr>
+              <a:tabLst>
+                <a:tab pos="862013" algn="l"/>
+              </a:tabLst>
+            </a:pPr>
+            <a:endParaRPr lang="en-US" sz="1600" dirty="0">
+              <a:latin typeface="Courier"/>
+            </a:endParaRPr>
           </a:p>
         </p:txBody>
       </p:sp>
@@ -32237,7 +32674,15 @@
             <a:pPr fontAlgn="ctr"/>
             <a:r>
               <a:rPr lang="en-US" sz="2800" dirty="0"/>
-              <a:t>Set of very small and easy examples, one for each package/paradigm</a:t>
+              <a:t>s</a:t>
+            </a:r>
+            <a:r>
+              <a:rPr lang="en-US" sz="2800" dirty="0" smtClean="0"/>
+              <a:t>et </a:t>
+            </a:r>
+            <a:r>
+              <a:rPr lang="en-US" sz="2800" dirty="0"/>
+              <a:t>of very small and easy examples, one for each package/paradigm</a:t>
             </a:r>
             <a:endParaRPr lang="en-US" sz="6700" dirty="0"/>
           </a:p>
@@ -32273,7 +32718,15 @@
             <a:pPr lvl="1" fontAlgn="ctr"/>
             <a:r>
               <a:rPr lang="en-US" sz="2500" dirty="0"/>
-              <a:t>Error handling</a:t>
+              <a:t>e</a:t>
+            </a:r>
+            <a:r>
+              <a:rPr lang="en-US" sz="2500" dirty="0" smtClean="0"/>
+              <a:t>rror </a:t>
+            </a:r>
+            <a:r>
+              <a:rPr lang="en-US" sz="2500" dirty="0"/>
+              <a:t>handling</a:t>
             </a:r>
             <a:endParaRPr lang="en-US" sz="6200" dirty="0"/>
           </a:p>
@@ -32281,14 +32734,27 @@
             <a:pPr lvl="1" fontAlgn="ctr"/>
             <a:r>
               <a:rPr lang="en-US" sz="2500" dirty="0"/>
-              <a:t>Attributes</a:t>
-            </a:r>
+              <a:t>a</a:t>
+            </a:r>
+            <a:r>
+              <a:rPr lang="en-US" sz="2500" dirty="0" smtClean="0"/>
+              <a:t>ttributes</a:t>
+            </a:r>
+            <a:endParaRPr lang="en-US" sz="2500" dirty="0"/>
           </a:p>
           <a:p>
             <a:pPr lvl="1" fontAlgn="ctr"/>
             <a:r>
               <a:rPr lang="en-US" sz="2500" dirty="0"/>
-              <a:t>Stream (server/client)</a:t>
+              <a:t>s</a:t>
+            </a:r>
+            <a:r>
+              <a:rPr lang="en-US" sz="2500" dirty="0" smtClean="0"/>
+              <a:t>tream </a:t>
+            </a:r>
+            <a:r>
+              <a:rPr lang="en-US" sz="2500" dirty="0"/>
+              <a:t>(server/client)</a:t>
             </a:r>
           </a:p>
           <a:p>
@@ -33242,7 +33708,7 @@
               <a:t>p</a:t>
             </a:r>
             <a:r>
-              <a:rPr lang="de-DE" sz="2500" smtClean="0"/>
+              <a:rPr lang="de-DE" sz="2500" dirty="0" smtClean="0"/>
               <a:t>ass </a:t>
             </a:r>
             <a:r>
@@ -33678,7 +34144,7 @@
           <a:p>
             <a:r>
               <a:rPr lang="en-US" dirty="0" smtClean="0"/>
-              <a:t>Questions | Comments ?</a:t>
+              <a:t>Integrated Demo: Mandelbrot</a:t>
             </a:r>
             <a:endParaRPr lang="en-US" dirty="0"/>
           </a:p>
@@ -33694,6 +34160,87 @@
             <p:ph idx="1"/>
           </p:nvPr>
         </p:nvSpPr>
+        <p:spPr>
+          <a:xfrm>
+            <a:off x="610802" y="3004040"/>
+            <a:ext cx="7881556" cy="727132"/>
+          </a:xfrm>
+        </p:spPr>
+        <p:txBody>
+          <a:bodyPr/>
+          <a:lstStyle/>
+          <a:p>
+            <a:r>
+              <a:rPr lang="en-US" dirty="0" smtClean="0"/>
+              <a:t>http://cyder.cct.lsu.edu/saga-interop/mandlebrot/demo/</a:t>
+            </a:r>
+            <a:endParaRPr lang="en-US" dirty="0"/>
+          </a:p>
+        </p:txBody>
+      </p:sp>
+    </p:spTree>
+    <p:extLst>
+      <p:ext uri="{BB962C8B-B14F-4D97-AF65-F5344CB8AC3E}">
+        <p14:creationId xmlns:p14="http://schemas.microsoft.com/office/powerpoint/2010/main" val="254270410"/>
+      </p:ext>
+    </p:extLst>
+  </p:cSld>
+  <p:clrMapOvr>
+    <a:masterClrMapping/>
+  </p:clrMapOvr>
+</p:sld>
+</file>
+
+<file path=ppt/slides/slide87.xml><?xml version="1.0" encoding="utf-8"?>
+<p:sld xmlns:a="http://schemas.openxmlformats.org/drawingml/2006/main" xmlns:r="http://schemas.openxmlformats.org/officeDocument/2006/relationships" xmlns:p="http://schemas.openxmlformats.org/presentationml/2006/main">
+  <p:cSld>
+    <p:spTree>
+      <p:nvGrpSpPr>
+        <p:cNvPr id="1" name=""/>
+        <p:cNvGrpSpPr/>
+        <p:nvPr/>
+      </p:nvGrpSpPr>
+      <p:grpSpPr>
+        <a:xfrm>
+          <a:off x="0" y="0"/>
+          <a:ext cx="0" cy="0"/>
+          <a:chOff x="0" y="0"/>
+          <a:chExt cx="0" cy="0"/>
+        </a:xfrm>
+      </p:grpSpPr>
+      <p:sp>
+        <p:nvSpPr>
+          <p:cNvPr id="2" name="Title 1"/>
+          <p:cNvSpPr>
+            <a:spLocks noGrp="1"/>
+          </p:cNvSpPr>
+          <p:nvPr>
+            <p:ph type="title"/>
+          </p:nvPr>
+        </p:nvSpPr>
+        <p:spPr/>
+        <p:txBody>
+          <a:bodyPr/>
+          <a:lstStyle/>
+          <a:p>
+            <a:r>
+              <a:rPr lang="en-US" dirty="0" smtClean="0"/>
+              <a:t>Questions | Comments ?</a:t>
+            </a:r>
+            <a:endParaRPr lang="en-US" dirty="0"/>
+          </a:p>
+        </p:txBody>
+      </p:sp>
+      <p:sp>
+        <p:nvSpPr>
+          <p:cNvPr id="3" name="Content Placeholder 2"/>
+          <p:cNvSpPr>
+            <a:spLocks noGrp="1"/>
+          </p:cNvSpPr>
+          <p:nvPr>
+            <p:ph idx="1"/>
+          </p:nvPr>
+        </p:nvSpPr>
         <p:spPr/>
         <p:txBody>
           <a:bodyPr/>
@@ -33815,7 +34362,7 @@
             <a:fld id="{7A426C1A-D210-4B4B-86AA-6AEDDDCCF5FF}" type="slidenum">
               <a:rPr lang="en-US" smtClean="0"/>
               <a:pPr/>
-              <a:t>86</a:t>
+              <a:t>87</a:t>
             </a:fld>
             <a:endParaRPr lang="en-US"/>
           </a:p>
